--- a/報告/報告.pptx
+++ b/報告/報告.pptx
@@ -33,22 +33,21 @@
     <p:sldId id="278" r:id="rId28"/>
     <p:sldId id="279" r:id="rId29"/>
     <p:sldId id="280" r:id="rId30"/>
-    <p:sldId id="281" r:id="rId31"/>
   </p:sldIdLst>
   <p:sldSz cy="5143500" cx="9144000"/>
   <p:notesSz cx="6858000" cy="9144000"/>
   <p:embeddedFontLst>
     <p:embeddedFont>
       <p:font typeface="PT Sans Narrow"/>
-      <p:regular r:id="rId32"/>
-      <p:bold r:id="rId33"/>
+      <p:regular r:id="rId31"/>
+      <p:bold r:id="rId32"/>
     </p:embeddedFont>
     <p:embeddedFont>
       <p:font typeface="Open Sans"/>
-      <p:regular r:id="rId34"/>
-      <p:bold r:id="rId35"/>
-      <p:italic r:id="rId36"/>
-      <p:boldItalic r:id="rId37"/>
+      <p:regular r:id="rId33"/>
+      <p:bold r:id="rId34"/>
+      <p:italic r:id="rId35"/>
+      <p:boldItalic r:id="rId36"/>
     </p:embeddedFont>
   </p:embeddedFontLst>
   <p:defaultTextStyle>
@@ -1464,7 +1463,7 @@
       </p:grpSpPr>
       <p:sp>
         <p:nvSpPr>
-          <p:cNvPr id="144" name="Google Shape;144;p14:notes"/>
+          <p:cNvPr id="144" name="Google Shape;144;p15:notes"/>
           <p:cNvSpPr/>
           <p:nvPr>
             <p:ph idx="2" type="sldImg"/>
@@ -1509,7 +1508,7 @@
       </p:sp>
       <p:sp>
         <p:nvSpPr>
-          <p:cNvPr id="145" name="Google Shape;145;p14:notes"/>
+          <p:cNvPr id="145" name="Google Shape;145;p15:notes"/>
           <p:cNvSpPr txBox="1"/>
           <p:nvPr>
             <p:ph idx="1" type="body"/>
@@ -1581,7 +1580,7 @@
       </p:grpSpPr>
       <p:sp>
         <p:nvSpPr>
-          <p:cNvPr id="150" name="Google Shape;150;p15:notes"/>
+          <p:cNvPr id="150" name="Google Shape;150;p14:notes"/>
           <p:cNvSpPr/>
           <p:nvPr>
             <p:ph idx="2" type="sldImg"/>
@@ -1626,7 +1625,7 @@
       </p:sp>
       <p:sp>
         <p:nvSpPr>
-          <p:cNvPr id="151" name="Google Shape;151;p15:notes"/>
+          <p:cNvPr id="151" name="Google Shape;151;p14:notes"/>
           <p:cNvSpPr txBox="1"/>
           <p:nvPr>
             <p:ph idx="1" type="body"/>
@@ -1698,7 +1697,7 @@
       </p:grpSpPr>
       <p:sp>
         <p:nvSpPr>
-          <p:cNvPr id="156" name="Google Shape;156;g89d932cfb9_0_1:notes"/>
+          <p:cNvPr id="156" name="Google Shape;156;p16:notes"/>
           <p:cNvSpPr/>
           <p:nvPr>
             <p:ph idx="2" type="sldImg"/>
@@ -1743,7 +1742,7 @@
       </p:sp>
       <p:sp>
         <p:nvSpPr>
-          <p:cNvPr id="157" name="Google Shape;157;g89d932cfb9_0_1:notes"/>
+          <p:cNvPr id="157" name="Google Shape;157;p16:notes"/>
           <p:cNvSpPr txBox="1"/>
           <p:nvPr>
             <p:ph idx="1" type="body"/>
@@ -1815,7 +1814,7 @@
       </p:grpSpPr>
       <p:sp>
         <p:nvSpPr>
-          <p:cNvPr id="162" name="Google Shape;162;g89d932cfb9_0_17:notes"/>
+          <p:cNvPr id="162" name="Google Shape;162;p17:notes"/>
           <p:cNvSpPr/>
           <p:nvPr>
             <p:ph idx="2" type="sldImg"/>
@@ -1860,7 +1859,7 @@
       </p:sp>
       <p:sp>
         <p:nvSpPr>
-          <p:cNvPr id="163" name="Google Shape;163;g89d932cfb9_0_17:notes"/>
+          <p:cNvPr id="163" name="Google Shape;163;p17:notes"/>
           <p:cNvSpPr txBox="1"/>
           <p:nvPr>
             <p:ph idx="1" type="body"/>
@@ -2283,7 +2282,7 @@
       </p:grpSpPr>
       <p:sp>
         <p:nvSpPr>
-          <p:cNvPr id="180" name="Google Shape;180;g89d932cfb9_0_6:notes"/>
+          <p:cNvPr id="180" name="Google Shape;180;p20:notes"/>
           <p:cNvSpPr/>
           <p:nvPr>
             <p:ph idx="2" type="sldImg"/>
@@ -2328,7 +2327,7 @@
       </p:sp>
       <p:sp>
         <p:nvSpPr>
-          <p:cNvPr id="181" name="Google Shape;181;g89d932cfb9_0_6:notes"/>
+          <p:cNvPr id="181" name="Google Shape;181;p20:notes"/>
           <p:cNvSpPr txBox="1"/>
           <p:nvPr>
             <p:ph idx="1" type="body"/>
@@ -2400,7 +2399,7 @@
       </p:grpSpPr>
       <p:sp>
         <p:nvSpPr>
-          <p:cNvPr id="186" name="Google Shape;186;p16:notes"/>
+          <p:cNvPr id="186" name="Google Shape;186;p21:notes"/>
           <p:cNvSpPr/>
           <p:nvPr>
             <p:ph idx="2" type="sldImg"/>
@@ -2445,7 +2444,7 @@
       </p:sp>
       <p:sp>
         <p:nvSpPr>
-          <p:cNvPr id="187" name="Google Shape;187;p16:notes"/>
+          <p:cNvPr id="187" name="Google Shape;187;p21:notes"/>
           <p:cNvSpPr txBox="1"/>
           <p:nvPr>
             <p:ph idx="1" type="body"/>
@@ -2517,7 +2516,7 @@
       </p:grpSpPr>
       <p:sp>
         <p:nvSpPr>
-          <p:cNvPr id="192" name="Google Shape;192;p20:notes"/>
+          <p:cNvPr id="192" name="Google Shape;192;p22:notes"/>
           <p:cNvSpPr/>
           <p:nvPr>
             <p:ph idx="2" type="sldImg"/>
@@ -2562,7 +2561,7 @@
       </p:sp>
       <p:sp>
         <p:nvSpPr>
-          <p:cNvPr id="193" name="Google Shape;193;p20:notes"/>
+          <p:cNvPr id="193" name="Google Shape;193;p22:notes"/>
           <p:cNvSpPr txBox="1"/>
           <p:nvPr>
             <p:ph idx="1" type="body"/>
@@ -2620,7 +2619,7 @@
   <p:cSld>
     <p:spTree>
       <p:nvGrpSpPr>
-        <p:cNvPr id="197" name="Shape 197"/>
+        <p:cNvPr id="198" name="Shape 198"/>
         <p:cNvGrpSpPr/>
         <p:nvPr/>
       </p:nvGrpSpPr>
@@ -2634,7 +2633,7 @@
       </p:grpSpPr>
       <p:sp>
         <p:nvSpPr>
-          <p:cNvPr id="198" name="Google Shape;198;g89d932cfb9_0_22:notes"/>
+          <p:cNvPr id="199" name="Google Shape;199;p24:notes"/>
           <p:cNvSpPr/>
           <p:nvPr>
             <p:ph idx="2" type="sldImg"/>
@@ -2679,7 +2678,7 @@
       </p:sp>
       <p:sp>
         <p:nvSpPr>
-          <p:cNvPr id="199" name="Google Shape;199;g89d932cfb9_0_22:notes"/>
+          <p:cNvPr id="200" name="Google Shape;200;p24:notes"/>
           <p:cNvSpPr txBox="1"/>
           <p:nvPr>
             <p:ph idx="1" type="body"/>
@@ -2737,7 +2736,7 @@
   <p:cSld>
     <p:spTree>
       <p:nvGrpSpPr>
-        <p:cNvPr id="203" name="Shape 203"/>
+        <p:cNvPr id="204" name="Shape 204"/>
         <p:cNvGrpSpPr/>
         <p:nvPr/>
       </p:nvGrpSpPr>
@@ -2751,7 +2750,7 @@
       </p:grpSpPr>
       <p:sp>
         <p:nvSpPr>
-          <p:cNvPr id="204" name="Google Shape;204;p22:notes"/>
+          <p:cNvPr id="205" name="Google Shape;205;p25:notes"/>
           <p:cNvSpPr/>
           <p:nvPr>
             <p:ph idx="2" type="sldImg"/>
@@ -2796,7 +2795,7 @@
       </p:sp>
       <p:sp>
         <p:nvSpPr>
-          <p:cNvPr id="205" name="Google Shape;205;p22:notes"/>
+          <p:cNvPr id="206" name="Google Shape;206;p25:notes"/>
           <p:cNvSpPr txBox="1"/>
           <p:nvPr>
             <p:ph idx="1" type="body"/>
@@ -2854,7 +2853,7 @@
   <p:cSld>
     <p:spTree>
       <p:nvGrpSpPr>
-        <p:cNvPr id="209" name="Shape 209"/>
+        <p:cNvPr id="210" name="Shape 210"/>
         <p:cNvGrpSpPr/>
         <p:nvPr/>
       </p:nvGrpSpPr>
@@ -2868,7 +2867,7 @@
       </p:grpSpPr>
       <p:sp>
         <p:nvSpPr>
-          <p:cNvPr id="210" name="Google Shape;210;g89d932cfb9_0_27:notes"/>
+          <p:cNvPr id="211" name="Google Shape;211;p26:notes"/>
           <p:cNvSpPr/>
           <p:nvPr>
             <p:ph idx="2" type="sldImg"/>
@@ -2913,124 +2912,7 @@
       </p:sp>
       <p:sp>
         <p:nvSpPr>
-          <p:cNvPr id="211" name="Google Shape;211;g89d932cfb9_0_27:notes"/>
-          <p:cNvSpPr txBox="1"/>
-          <p:nvPr>
-            <p:ph idx="1" type="body"/>
-          </p:nvPr>
-        </p:nvSpPr>
-        <p:spPr>
-          <a:xfrm>
-            <a:off x="685800" y="4343400"/>
-            <a:ext cx="5486400" cy="4114800"/>
-          </a:xfrm>
-          <a:prstGeom prst="rect">
-            <a:avLst/>
-          </a:prstGeom>
-          <a:noFill/>
-          <a:ln>
-            <a:noFill/>
-          </a:ln>
-        </p:spPr>
-        <p:txBody>
-          <a:bodyPr anchorCtr="0" anchor="t" bIns="91425" lIns="91425" spcFirstLastPara="1" rIns="91425" wrap="square" tIns="91425">
-            <a:noAutofit/>
-          </a:bodyPr>
-          <a:lstStyle/>
-          <a:p>
-            <a:pPr indent="0" lvl="0" marL="0" rtl="0" algn="l">
-              <a:lnSpc>
-                <a:spcPct val="100000"/>
-              </a:lnSpc>
-              <a:spcBef>
-                <a:spcPts val="0"/>
-              </a:spcBef>
-              <a:spcAft>
-                <a:spcPts val="0"/>
-              </a:spcAft>
-              <a:buSzPts val="1100"/>
-              <a:buNone/>
-            </a:pPr>
-            <a:r>
-              <a:t/>
-            </a:r>
-            <a:endParaRPr/>
-          </a:p>
-        </p:txBody>
-      </p:sp>
-    </p:spTree>
-  </p:cSld>
-  <p:clrMapOvr>
-    <a:masterClrMapping/>
-  </p:clrMapOvr>
-</p:notes>
-</file>
-
-<file path=ppt/notesSlides/notesSlide26.xml><?xml version="1.0" encoding="utf-8"?>
-<p:notes xmlns:a="http://schemas.openxmlformats.org/drawingml/2006/main" xmlns:r="http://schemas.openxmlformats.org/officeDocument/2006/relationships" xmlns:mc="http://schemas.openxmlformats.org/markup-compatibility/2006" xmlns:mv="urn:schemas-microsoft-com:mac:vml" xmlns:p="http://schemas.openxmlformats.org/presentationml/2006/main" xmlns:c="http://schemas.openxmlformats.org/drawingml/2006/chart" xmlns:dgm="http://schemas.openxmlformats.org/drawingml/2006/diagram" xmlns:o="urn:schemas-microsoft-com:office:office" xmlns:v="urn:schemas-microsoft-com:vml" xmlns:pvml="urn:schemas-microsoft-com:office:powerpoint" xmlns:com="http://schemas.openxmlformats.org/drawingml/2006/compatibility" xmlns:p14="http://schemas.microsoft.com/office/powerpoint/2010/main" xmlns:p15="http://schemas.microsoft.com/office/powerpoint/2012/main" showMasterPhAnim="0" showMasterSp="0">
-  <p:cSld>
-    <p:spTree>
-      <p:nvGrpSpPr>
-        <p:cNvPr id="215" name="Shape 215"/>
-        <p:cNvGrpSpPr/>
-        <p:nvPr/>
-      </p:nvGrpSpPr>
-      <p:grpSpPr>
-        <a:xfrm>
-          <a:off x="0" y="0"/>
-          <a:ext cx="0" cy="0"/>
-          <a:chOff x="0" y="0"/>
-          <a:chExt cx="0" cy="0"/>
-        </a:xfrm>
-      </p:grpSpPr>
-      <p:sp>
-        <p:nvSpPr>
-          <p:cNvPr id="216" name="Google Shape;216;p24:notes"/>
-          <p:cNvSpPr/>
-          <p:nvPr>
-            <p:ph idx="2" type="sldImg"/>
-          </p:nvPr>
-        </p:nvSpPr>
-        <p:spPr>
-          <a:xfrm>
-            <a:off x="381300" y="685800"/>
-            <a:ext cx="6096000" cy="3429000"/>
-          </a:xfrm>
-          <a:custGeom>
-            <a:rect b="b" l="l" r="r" t="t"/>
-            <a:pathLst>
-              <a:path extrusionOk="0" h="120000" w="120000">
-                <a:moveTo>
-                  <a:pt x="0" y="0"/>
-                </a:moveTo>
-                <a:lnTo>
-                  <a:pt x="120000" y="0"/>
-                </a:lnTo>
-                <a:lnTo>
-                  <a:pt x="120000" y="120000"/>
-                </a:lnTo>
-                <a:lnTo>
-                  <a:pt x="0" y="120000"/>
-                </a:lnTo>
-                <a:close/>
-              </a:path>
-            </a:pathLst>
-          </a:custGeom>
-          <a:noFill/>
-          <a:ln cap="flat" cmpd="sng" w="9525">
-            <a:solidFill>
-              <a:srgbClr val="000000"/>
-            </a:solidFill>
-            <a:prstDash val="solid"/>
-            <a:round/>
-            <a:headEnd len="sm" w="sm" type="none"/>
-            <a:tailEnd len="sm" w="sm" type="none"/>
-          </a:ln>
-        </p:spPr>
-      </p:sp>
-      <p:sp>
-        <p:nvSpPr>
-          <p:cNvPr id="217" name="Google Shape;217;p24:notes"/>
+          <p:cNvPr id="212" name="Google Shape;212;p26:notes"/>
           <p:cNvSpPr txBox="1"/>
           <p:nvPr>
             <p:ph idx="1" type="body"/>
@@ -12734,13 +12616,12 @@
           <p:cNvPicPr preferRelativeResize="0"/>
           <p:nvPr/>
         </p:nvPicPr>
-        <p:blipFill>
+        <p:blipFill rotWithShape="1">
           <a:blip r:embed="rId3">
             <a:alphaModFix/>
           </a:blip>
-          <a:stretch>
-            <a:fillRect/>
-          </a:stretch>
+          <a:srcRect b="0" l="0" r="0" t="0"/>
+          <a:stretch/>
         </p:blipFill>
         <p:spPr>
           <a:xfrm>
@@ -12792,7 +12673,7 @@
         <p:spPr>
           <a:xfrm>
             <a:off x="311700" y="254875"/>
-            <a:ext cx="8520600" cy="707400"/>
+            <a:ext cx="742500" cy="3445200"/>
           </a:xfrm>
           <a:prstGeom prst="rect">
             <a:avLst/>
@@ -12823,24 +12704,49 @@
             </a:pPr>
             <a:r>
               <a:rPr lang="zh-TW"/>
-              <a:t>人口</a:t>
+              <a:t>人</a:t>
+            </a:r>
+            <a:endParaRPr/>
+          </a:p>
+          <a:p>
+            <a:pPr indent="0" lvl="0" marL="0" rtl="0" algn="l">
+              <a:lnSpc>
+                <a:spcPct val="100000"/>
+              </a:lnSpc>
+              <a:spcBef>
+                <a:spcPts val="0"/>
+              </a:spcBef>
+              <a:spcAft>
+                <a:spcPts val="0"/>
+              </a:spcAft>
+              <a:buSzPts val="3600"/>
+              <a:buNone/>
+            </a:pPr>
+            <a:r>
+              <a:rPr lang="zh-TW"/>
+              <a:t>口</a:t>
             </a:r>
             <a:endParaRPr/>
           </a:p>
         </p:txBody>
       </p:sp>
-      <p:sp>
-        <p:nvSpPr>
+      <p:pic>
+        <p:nvPicPr>
           <p:cNvPr id="148" name="Google Shape;148;p26"/>
-          <p:cNvSpPr txBox="1"/>
-          <p:nvPr>
-            <p:ph idx="1" type="body"/>
-          </p:nvPr>
-        </p:nvSpPr>
+          <p:cNvPicPr preferRelativeResize="0"/>
+          <p:nvPr/>
+        </p:nvPicPr>
+        <p:blipFill rotWithShape="1">
+          <a:blip r:embed="rId3">
+            <a:alphaModFix/>
+          </a:blip>
+          <a:srcRect b="0" l="0" r="0" t="0"/>
+          <a:stretch/>
+        </p:blipFill>
         <p:spPr>
           <a:xfrm>
-            <a:off x="311700" y="1266325"/>
-            <a:ext cx="8520600" cy="3302700"/>
+            <a:off x="1304775" y="153325"/>
+            <a:ext cx="7732374" cy="4742550"/>
           </a:xfrm>
           <a:prstGeom prst="rect">
             <a:avLst/>
@@ -12850,32 +12756,7 @@
             <a:noFill/>
           </a:ln>
         </p:spPr>
-        <p:txBody>
-          <a:bodyPr anchorCtr="0" anchor="t" bIns="91425" lIns="91425" spcFirstLastPara="1" rIns="91425" wrap="square" tIns="91425">
-            <a:noAutofit/>
-          </a:bodyPr>
-          <a:lstStyle/>
-          <a:p>
-            <a:pPr indent="0" lvl="0" marL="0" rtl="0" algn="l">
-              <a:lnSpc>
-                <a:spcPct val="115000"/>
-              </a:lnSpc>
-              <a:spcBef>
-                <a:spcPts val="0"/>
-              </a:spcBef>
-              <a:spcAft>
-                <a:spcPts val="1600"/>
-              </a:spcAft>
-              <a:buSzPts val="1800"/>
-              <a:buNone/>
-            </a:pPr>
-            <a:r>
-              <a:t/>
-            </a:r>
-            <a:endParaRPr/>
-          </a:p>
-        </p:txBody>
-      </p:sp>
+      </p:pic>
     </p:spTree>
   </p:cSld>
   <p:clrMapOvr>
@@ -12912,7 +12793,7 @@
         <p:spPr>
           <a:xfrm>
             <a:off x="311700" y="254875"/>
-            <a:ext cx="742500" cy="3445200"/>
+            <a:ext cx="8520600" cy="707400"/>
           </a:xfrm>
           <a:prstGeom prst="rect">
             <a:avLst/>
@@ -12943,49 +12824,24 @@
             </a:pPr>
             <a:r>
               <a:rPr lang="zh-TW"/>
-              <a:t>人</a:t>
-            </a:r>
-            <a:endParaRPr/>
-          </a:p>
-          <a:p>
-            <a:pPr indent="0" lvl="0" marL="0" rtl="0" algn="l">
-              <a:lnSpc>
-                <a:spcPct val="100000"/>
-              </a:lnSpc>
-              <a:spcBef>
-                <a:spcPts val="0"/>
-              </a:spcBef>
-              <a:spcAft>
-                <a:spcPts val="0"/>
-              </a:spcAft>
-              <a:buSzPts val="3600"/>
-              <a:buNone/>
-            </a:pPr>
-            <a:r>
-              <a:rPr lang="zh-TW"/>
-              <a:t>口</a:t>
+              <a:t>人口</a:t>
             </a:r>
             <a:endParaRPr/>
           </a:p>
         </p:txBody>
       </p:sp>
-      <p:pic>
-        <p:nvPicPr>
+      <p:sp>
+        <p:nvSpPr>
           <p:cNvPr id="154" name="Google Shape;154;p27"/>
-          <p:cNvPicPr preferRelativeResize="0"/>
-          <p:nvPr/>
-        </p:nvPicPr>
-        <p:blipFill rotWithShape="1">
-          <a:blip r:embed="rId3">
-            <a:alphaModFix/>
-          </a:blip>
-          <a:srcRect b="0" l="0" r="0" t="0"/>
-          <a:stretch/>
-        </p:blipFill>
+          <p:cNvSpPr txBox="1"/>
+          <p:nvPr>
+            <p:ph idx="1" type="body"/>
+          </p:nvPr>
+        </p:nvSpPr>
         <p:spPr>
           <a:xfrm>
-            <a:off x="1304775" y="153325"/>
-            <a:ext cx="7732374" cy="4742550"/>
+            <a:off x="311700" y="1266325"/>
+            <a:ext cx="8520600" cy="3302700"/>
           </a:xfrm>
           <a:prstGeom prst="rect">
             <a:avLst/>
@@ -12995,7 +12851,32 @@
             <a:noFill/>
           </a:ln>
         </p:spPr>
-      </p:pic>
+        <p:txBody>
+          <a:bodyPr anchorCtr="0" anchor="t" bIns="91425" lIns="91425" spcFirstLastPara="1" rIns="91425" wrap="square" tIns="91425">
+            <a:noAutofit/>
+          </a:bodyPr>
+          <a:lstStyle/>
+          <a:p>
+            <a:pPr indent="0" lvl="0" marL="0" rtl="0" algn="l">
+              <a:lnSpc>
+                <a:spcPct val="115000"/>
+              </a:lnSpc>
+              <a:spcBef>
+                <a:spcPts val="0"/>
+              </a:spcBef>
+              <a:spcAft>
+                <a:spcPts val="1600"/>
+              </a:spcAft>
+              <a:buSzPts val="1800"/>
+              <a:buNone/>
+            </a:pPr>
+            <a:r>
+              <a:t/>
+            </a:r>
+            <a:endParaRPr/>
+          </a:p>
+        </p:txBody>
+      </p:sp>
     </p:spTree>
   </p:cSld>
   <p:clrMapOvr>
@@ -13577,6 +13458,9 @@
           <a:lstStyle/>
           <a:p>
             <a:pPr indent="0" lvl="0" marL="0" rtl="0" algn="l">
+              <a:lnSpc>
+                <a:spcPct val="115000"/>
+              </a:lnSpc>
               <a:spcBef>
                 <a:spcPts val="0"/>
               </a:spcBef>
@@ -14081,11 +13965,7 @@
             </a:pPr>
             <a:r>
               <a:rPr lang="zh-TW"/>
-              <a:t>-----&gt;</a:t>
-            </a:r>
-            <a:r>
-              <a:rPr lang="zh-TW"/>
-              <a:t>買越多，賺越多</a:t>
+              <a:t>-----&gt;買越多，賺越多</a:t>
             </a:r>
             <a:endParaRPr/>
           </a:p>
@@ -14494,13 +14374,12 @@
           <p:cNvPicPr preferRelativeResize="0"/>
           <p:nvPr/>
         </p:nvPicPr>
-        <p:blipFill>
+        <p:blipFill rotWithShape="1">
           <a:blip r:embed="rId3">
             <a:alphaModFix/>
           </a:blip>
-          <a:stretch>
-            <a:fillRect/>
-          </a:stretch>
+          <a:srcRect b="0" l="0" r="0" t="0"/>
+          <a:stretch/>
         </p:blipFill>
         <p:spPr>
           <a:xfrm>
@@ -14595,13 +14474,12 @@
           <p:cNvPicPr preferRelativeResize="0"/>
           <p:nvPr/>
         </p:nvPicPr>
-        <p:blipFill>
+        <p:blipFill rotWithShape="1">
           <a:blip r:embed="rId3">
             <a:alphaModFix/>
           </a:blip>
-          <a:stretch>
-            <a:fillRect/>
-          </a:stretch>
+          <a:srcRect b="0" l="0" r="0" t="0"/>
+          <a:stretch/>
         </p:blipFill>
         <p:spPr>
           <a:xfrm>
@@ -14652,7 +14530,7 @@
         </p:nvSpPr>
         <p:spPr>
           <a:xfrm>
-            <a:off x="311700" y="254875"/>
+            <a:off x="168300" y="133525"/>
             <a:ext cx="573600" cy="3919500"/>
           </a:xfrm>
           <a:prstGeom prst="rect">
@@ -14737,6 +14615,34 @@
           </a:p>
         </p:txBody>
       </p:sp>
+      <p:pic>
+        <p:nvPicPr>
+          <p:cNvPr id="197" name="Google Shape;197;p34"/>
+          <p:cNvPicPr preferRelativeResize="0"/>
+          <p:nvPr/>
+        </p:nvPicPr>
+        <p:blipFill>
+          <a:blip r:embed="rId3">
+            <a:alphaModFix/>
+          </a:blip>
+          <a:stretch>
+            <a:fillRect/>
+          </a:stretch>
+        </p:blipFill>
+        <p:spPr>
+          <a:xfrm>
+            <a:off x="947300" y="133525"/>
+            <a:ext cx="8196699" cy="4706275"/>
+          </a:xfrm>
+          <a:prstGeom prst="rect">
+            <a:avLst/>
+          </a:prstGeom>
+          <a:noFill/>
+          <a:ln>
+            <a:noFill/>
+          </a:ln>
+        </p:spPr>
+      </p:pic>
     </p:spTree>
   </p:cSld>
   <p:clrMapOvr>
@@ -14750,7 +14656,7 @@
   <p:cSld>
     <p:spTree>
       <p:nvGrpSpPr>
-        <p:cNvPr id="200" name="Shape 200"/>
+        <p:cNvPr id="201" name="Shape 201"/>
         <p:cNvGrpSpPr/>
         <p:nvPr/>
       </p:nvGrpSpPr>
@@ -14764,7 +14670,7 @@
       </p:grpSpPr>
       <p:sp>
         <p:nvSpPr>
-          <p:cNvPr id="201" name="Google Shape;201;p35"/>
+          <p:cNvPr id="202" name="Google Shape;202;p35"/>
           <p:cNvSpPr txBox="1"/>
           <p:nvPr>
             <p:ph type="title"/>
@@ -14773,7 +14679,7 @@
         <p:spPr>
           <a:xfrm>
             <a:off x="311700" y="254875"/>
-            <a:ext cx="573600" cy="3919500"/>
+            <a:ext cx="695700" cy="4314300"/>
           </a:xfrm>
           <a:prstGeom prst="rect">
             <a:avLst/>
@@ -14804,7 +14710,7 @@
             </a:pPr>
             <a:r>
               <a:rPr lang="zh-TW"/>
-              <a:t>有無管理</a:t>
+              <a:t>交易時間</a:t>
             </a:r>
             <a:endParaRPr/>
           </a:p>
@@ -14812,7 +14718,7 @@
       </p:sp>
       <p:sp>
         <p:nvSpPr>
-          <p:cNvPr id="202" name="Google Shape;202;p35"/>
+          <p:cNvPr id="203" name="Google Shape;203;p35"/>
           <p:cNvSpPr txBox="1"/>
           <p:nvPr>
             <p:ph idx="1" type="body"/>
@@ -14870,7 +14776,7 @@
   <p:cSld>
     <p:spTree>
       <p:nvGrpSpPr>
-        <p:cNvPr id="206" name="Shape 206"/>
+        <p:cNvPr id="207" name="Shape 207"/>
         <p:cNvGrpSpPr/>
         <p:nvPr/>
       </p:nvGrpSpPr>
@@ -14884,7 +14790,7 @@
       </p:grpSpPr>
       <p:sp>
         <p:nvSpPr>
-          <p:cNvPr id="207" name="Google Shape;207;p36"/>
+          <p:cNvPr id="208" name="Google Shape;208;p36"/>
           <p:cNvSpPr txBox="1"/>
           <p:nvPr>
             <p:ph type="title"/>
@@ -14932,7 +14838,7 @@
       </p:sp>
       <p:sp>
         <p:nvSpPr>
-          <p:cNvPr id="208" name="Google Shape;208;p36"/>
+          <p:cNvPr id="209" name="Google Shape;209;p36"/>
           <p:cNvSpPr txBox="1"/>
           <p:nvPr>
             <p:ph idx="1" type="body"/>
@@ -14988,9 +14894,16 @@
 <file path=ppt/slides/slide25.xml><?xml version="1.0" encoding="utf-8"?>
 <p:sld xmlns:a="http://schemas.openxmlformats.org/drawingml/2006/main" xmlns:r="http://schemas.openxmlformats.org/officeDocument/2006/relationships" xmlns:mc="http://schemas.openxmlformats.org/markup-compatibility/2006" xmlns:mv="urn:schemas-microsoft-com:mac:vml" xmlns:p="http://schemas.openxmlformats.org/presentationml/2006/main" xmlns:c="http://schemas.openxmlformats.org/drawingml/2006/chart" xmlns:dgm="http://schemas.openxmlformats.org/drawingml/2006/diagram" xmlns:o="urn:schemas-microsoft-com:office:office" xmlns:v="urn:schemas-microsoft-com:vml" xmlns:pvml="urn:schemas-microsoft-com:office:powerpoint" xmlns:com="http://schemas.openxmlformats.org/drawingml/2006/compatibility" xmlns:p14="http://schemas.microsoft.com/office/powerpoint/2010/main" xmlns:p15="http://schemas.microsoft.com/office/powerpoint/2012/main">
   <p:cSld>
+    <p:bg>
+      <p:bgPr>
+        <a:solidFill>
+          <a:srgbClr val="FF9900"/>
+        </a:solidFill>
+      </p:bgPr>
+    </p:bg>
     <p:spTree>
       <p:nvGrpSpPr>
-        <p:cNvPr id="212" name="Shape 212"/>
+        <p:cNvPr id="213" name="Shape 213"/>
         <p:cNvGrpSpPr/>
         <p:nvPr/>
       </p:nvGrpSpPr>
@@ -15004,134 +14917,7 @@
       </p:grpSpPr>
       <p:sp>
         <p:nvSpPr>
-          <p:cNvPr id="213" name="Google Shape;213;p37"/>
-          <p:cNvSpPr txBox="1"/>
-          <p:nvPr>
-            <p:ph type="title"/>
-          </p:nvPr>
-        </p:nvSpPr>
-        <p:spPr>
-          <a:xfrm>
-            <a:off x="311700" y="254875"/>
-            <a:ext cx="695700" cy="4314300"/>
-          </a:xfrm>
-          <a:prstGeom prst="rect">
-            <a:avLst/>
-          </a:prstGeom>
-          <a:noFill/>
-          <a:ln>
-            <a:noFill/>
-          </a:ln>
-        </p:spPr>
-        <p:txBody>
-          <a:bodyPr anchorCtr="0" anchor="t" bIns="91425" lIns="91425" spcFirstLastPara="1" rIns="91425" wrap="square" tIns="91425">
-            <a:noAutofit/>
-          </a:bodyPr>
-          <a:lstStyle/>
-          <a:p>
-            <a:pPr indent="0" lvl="0" marL="0" rtl="0" algn="l">
-              <a:lnSpc>
-                <a:spcPct val="100000"/>
-              </a:lnSpc>
-              <a:spcBef>
-                <a:spcPts val="0"/>
-              </a:spcBef>
-              <a:spcAft>
-                <a:spcPts val="0"/>
-              </a:spcAft>
-              <a:buSzPts val="3600"/>
-              <a:buNone/>
-            </a:pPr>
-            <a:r>
-              <a:rPr lang="zh-TW"/>
-              <a:t>交易時間</a:t>
-            </a:r>
-            <a:endParaRPr/>
-          </a:p>
-        </p:txBody>
-      </p:sp>
-      <p:sp>
-        <p:nvSpPr>
           <p:cNvPr id="214" name="Google Shape;214;p37"/>
-          <p:cNvSpPr txBox="1"/>
-          <p:nvPr>
-            <p:ph idx="1" type="body"/>
-          </p:nvPr>
-        </p:nvSpPr>
-        <p:spPr>
-          <a:xfrm>
-            <a:off x="311700" y="1266325"/>
-            <a:ext cx="8520600" cy="3302700"/>
-          </a:xfrm>
-          <a:prstGeom prst="rect">
-            <a:avLst/>
-          </a:prstGeom>
-          <a:noFill/>
-          <a:ln>
-            <a:noFill/>
-          </a:ln>
-        </p:spPr>
-        <p:txBody>
-          <a:bodyPr anchorCtr="0" anchor="t" bIns="91425" lIns="91425" spcFirstLastPara="1" rIns="91425" wrap="square" tIns="91425">
-            <a:noAutofit/>
-          </a:bodyPr>
-          <a:lstStyle/>
-          <a:p>
-            <a:pPr indent="0" lvl="0" marL="0" rtl="0" algn="l">
-              <a:lnSpc>
-                <a:spcPct val="115000"/>
-              </a:lnSpc>
-              <a:spcBef>
-                <a:spcPts val="0"/>
-              </a:spcBef>
-              <a:spcAft>
-                <a:spcPts val="1600"/>
-              </a:spcAft>
-              <a:buSzPts val="1800"/>
-              <a:buNone/>
-            </a:pPr>
-            <a:r>
-              <a:t/>
-            </a:r>
-            <a:endParaRPr/>
-          </a:p>
-        </p:txBody>
-      </p:sp>
-    </p:spTree>
-  </p:cSld>
-  <p:clrMapOvr>
-    <a:masterClrMapping/>
-  </p:clrMapOvr>
-</p:sld>
-</file>
-
-<file path=ppt/slides/slide26.xml><?xml version="1.0" encoding="utf-8"?>
-<p:sld xmlns:a="http://schemas.openxmlformats.org/drawingml/2006/main" xmlns:r="http://schemas.openxmlformats.org/officeDocument/2006/relationships" xmlns:mc="http://schemas.openxmlformats.org/markup-compatibility/2006" xmlns:mv="urn:schemas-microsoft-com:mac:vml" xmlns:p="http://schemas.openxmlformats.org/presentationml/2006/main" xmlns:c="http://schemas.openxmlformats.org/drawingml/2006/chart" xmlns:dgm="http://schemas.openxmlformats.org/drawingml/2006/diagram" xmlns:o="urn:schemas-microsoft-com:office:office" xmlns:v="urn:schemas-microsoft-com:vml" xmlns:pvml="urn:schemas-microsoft-com:office:powerpoint" xmlns:com="http://schemas.openxmlformats.org/drawingml/2006/compatibility" xmlns:p14="http://schemas.microsoft.com/office/powerpoint/2010/main" xmlns:p15="http://schemas.microsoft.com/office/powerpoint/2012/main">
-  <p:cSld>
-    <p:bg>
-      <p:bgPr>
-        <a:solidFill>
-          <a:srgbClr val="FF9900"/>
-        </a:solidFill>
-      </p:bgPr>
-    </p:bg>
-    <p:spTree>
-      <p:nvGrpSpPr>
-        <p:cNvPr id="218" name="Shape 218"/>
-        <p:cNvGrpSpPr/>
-        <p:nvPr/>
-      </p:nvGrpSpPr>
-      <p:grpSpPr>
-        <a:xfrm>
-          <a:off x="0" y="0"/>
-          <a:ext cx="0" cy="0"/>
-          <a:chOff x="0" y="0"/>
-          <a:chExt cx="0" cy="0"/>
-        </a:xfrm>
-      </p:grpSpPr>
-      <p:sp>
-        <p:nvSpPr>
-          <p:cNvPr id="219" name="Google Shape;219;p38"/>
           <p:cNvSpPr txBox="1"/>
           <p:nvPr>
             <p:ph type="title"/>
